--- a/docs/motif_similarity_exploration/Neo Lactosamine_vs_LacDiNAc.pptx
+++ b/docs/motif_similarity_exploration/Neo Lactosamine_vs_LacDiNAc.pptx
@@ -106,7 +106,7 @@
   </p:defaultTextStyle>
   <p:extLst>
     <p:ext uri="{EFAFB233-063F-42B5-8137-9DF3F51BA10A}">
-      <p15:sldGuideLst xmlns:p15="http://schemas.microsoft.com/office/powerpoint/2012/main">
+      <p15:sldGuideLst xmlns:p15="http://schemas.microsoft.com/office/powerpoint/2012/main" xmlns="">
         <p15:guide id="1" orient="horz" pos="2880">
           <p15:clr>
             <a:srgbClr val="A4A3A4"/>
@@ -302,7 +302,7 @@
           <a:p>
             <a:fld id="{51FB45B9-A736-784F-884A-6BE3E4DF68E6}" type="datetimeFigureOut">
               <a:rPr lang="en-US" smtClean="0"/>
-              <a:t>8/31/2018</a:t>
+              <a:t>31/08/18</a:t>
             </a:fld>
             <a:endParaRPr lang="en-US"/>
           </a:p>
@@ -470,7 +470,7 @@
           <a:p>
             <a:fld id="{51FB45B9-A736-784F-884A-6BE3E4DF68E6}" type="datetimeFigureOut">
               <a:rPr lang="en-US" smtClean="0"/>
-              <a:t>8/31/2018</a:t>
+              <a:t>31/08/18</a:t>
             </a:fld>
             <a:endParaRPr lang="en-US"/>
           </a:p>
@@ -648,7 +648,7 @@
           <a:p>
             <a:fld id="{51FB45B9-A736-784F-884A-6BE3E4DF68E6}" type="datetimeFigureOut">
               <a:rPr lang="en-US" smtClean="0"/>
-              <a:t>8/31/2018</a:t>
+              <a:t>31/08/18</a:t>
             </a:fld>
             <a:endParaRPr lang="en-US"/>
           </a:p>
@@ -816,7 +816,7 @@
           <a:p>
             <a:fld id="{51FB45B9-A736-784F-884A-6BE3E4DF68E6}" type="datetimeFigureOut">
               <a:rPr lang="en-US" smtClean="0"/>
-              <a:t>8/31/2018</a:t>
+              <a:t>31/08/18</a:t>
             </a:fld>
             <a:endParaRPr lang="en-US"/>
           </a:p>
@@ -1061,7 +1061,7 @@
           <a:p>
             <a:fld id="{51FB45B9-A736-784F-884A-6BE3E4DF68E6}" type="datetimeFigureOut">
               <a:rPr lang="en-US" smtClean="0"/>
-              <a:t>8/31/2018</a:t>
+              <a:t>31/08/18</a:t>
             </a:fld>
             <a:endParaRPr lang="en-US"/>
           </a:p>
@@ -1346,7 +1346,7 @@
           <a:p>
             <a:fld id="{51FB45B9-A736-784F-884A-6BE3E4DF68E6}" type="datetimeFigureOut">
               <a:rPr lang="en-US" smtClean="0"/>
-              <a:t>8/31/2018</a:t>
+              <a:t>31/08/18</a:t>
             </a:fld>
             <a:endParaRPr lang="en-US"/>
           </a:p>
@@ -1770,7 +1770,7 @@
           <a:p>
             <a:fld id="{51FB45B9-A736-784F-884A-6BE3E4DF68E6}" type="datetimeFigureOut">
               <a:rPr lang="en-US" smtClean="0"/>
-              <a:t>8/31/2018</a:t>
+              <a:t>31/08/18</a:t>
             </a:fld>
             <a:endParaRPr lang="en-US"/>
           </a:p>
@@ -1887,7 +1887,7 @@
           <a:p>
             <a:fld id="{51FB45B9-A736-784F-884A-6BE3E4DF68E6}" type="datetimeFigureOut">
               <a:rPr lang="en-US" smtClean="0"/>
-              <a:t>8/31/2018</a:t>
+              <a:t>31/08/18</a:t>
             </a:fld>
             <a:endParaRPr lang="en-US"/>
           </a:p>
@@ -1982,7 +1982,7 @@
           <a:p>
             <a:fld id="{51FB45B9-A736-784F-884A-6BE3E4DF68E6}" type="datetimeFigureOut">
               <a:rPr lang="en-US" smtClean="0"/>
-              <a:t>8/31/2018</a:t>
+              <a:t>31/08/18</a:t>
             </a:fld>
             <a:endParaRPr lang="en-US"/>
           </a:p>
@@ -2257,7 +2257,7 @@
           <a:p>
             <a:fld id="{51FB45B9-A736-784F-884A-6BE3E4DF68E6}" type="datetimeFigureOut">
               <a:rPr lang="en-US" smtClean="0"/>
-              <a:t>8/31/2018</a:t>
+              <a:t>31/08/18</a:t>
             </a:fld>
             <a:endParaRPr lang="en-US"/>
           </a:p>
@@ -2509,7 +2509,7 @@
           <a:p>
             <a:fld id="{51FB45B9-A736-784F-884A-6BE3E4DF68E6}" type="datetimeFigureOut">
               <a:rPr lang="en-US" smtClean="0"/>
-              <a:t>8/31/2018</a:t>
+              <a:t>31/08/18</a:t>
             </a:fld>
             <a:endParaRPr lang="en-US"/>
           </a:p>
@@ -2720,7 +2720,7 @@
           <a:p>
             <a:fld id="{51FB45B9-A736-784F-884A-6BE3E4DF68E6}" type="datetimeFigureOut">
               <a:rPr lang="en-US" smtClean="0"/>
-              <a:t>8/31/2018</a:t>
+              <a:t>31/08/18</a:t>
             </a:fld>
             <a:endParaRPr lang="en-US"/>
           </a:p>
@@ -3095,6 +3095,36 @@
           <a:chExt cx="0" cy="0"/>
         </a:xfrm>
       </p:grpSpPr>
+      <p:pic>
+        <p:nvPicPr>
+          <p:cNvPr id="2" name="Picture 1" descr="Neo Lactosamine_vs_LacDiNAc.pdf"/>
+          <p:cNvPicPr>
+            <a:picLocks noChangeAspect="1"/>
+          </p:cNvPicPr>
+          <p:nvPr/>
+        </p:nvPicPr>
+        <p:blipFill>
+          <a:blip r:embed="rId2">
+            <a:extLst>
+              <a:ext uri="{28A0092B-C50C-407E-A947-70E740481C1C}">
+                <a14:useLocalDpi xmlns:a14="http://schemas.microsoft.com/office/drawing/2010/main" val="0"/>
+              </a:ext>
+            </a:extLst>
+          </a:blip>
+          <a:stretch>
+            <a:fillRect/>
+          </a:stretch>
+        </p:blipFill>
+        <p:spPr>
+          <a:xfrm>
+            <a:off x="0" y="3625383"/>
+            <a:ext cx="6857999" cy="5147218"/>
+          </a:xfrm>
+          <a:prstGeom prst="rect">
+            <a:avLst/>
+          </a:prstGeom>
+        </p:spPr>
+      </p:pic>
       <p:sp>
         <p:nvSpPr>
           <p:cNvPr id="15" name="Oval 14"/>
@@ -3103,7 +3133,7 @@
         </p:nvSpPr>
         <p:spPr>
           <a:xfrm>
-            <a:off x="781050" y="3323569"/>
+            <a:off x="781050" y="3177519"/>
             <a:ext cx="328613" cy="328613"/>
           </a:xfrm>
           <a:prstGeom prst="ellipse">
@@ -3149,7 +3179,7 @@
         </p:nvSpPr>
         <p:spPr>
           <a:xfrm>
-            <a:off x="781051" y="2691666"/>
+            <a:off x="781051" y="2545616"/>
             <a:ext cx="347060" cy="347060"/>
           </a:xfrm>
           <a:prstGeom prst="ellipse">
@@ -3193,7 +3223,7 @@
         </p:nvSpPr>
         <p:spPr>
           <a:xfrm>
-            <a:off x="1289049" y="2727462"/>
+            <a:off x="1289049" y="2568712"/>
             <a:ext cx="2517407" cy="307777"/>
           </a:xfrm>
           <a:prstGeom prst="rect">
@@ -3227,7 +3257,7 @@
         </p:nvSpPr>
         <p:spPr>
           <a:xfrm>
-            <a:off x="1289049" y="3360769"/>
+            <a:off x="1289049" y="3182969"/>
             <a:ext cx="2857648" cy="584775"/>
           </a:xfrm>
           <a:prstGeom prst="rect">
@@ -3257,7 +3287,7 @@
           <p:cNvPr id="14" name="Oval 13">
             <a:extLst>
               <a:ext uri="{FF2B5EF4-FFF2-40B4-BE49-F238E27FC236}">
-                <a16:creationId xmlns:a16="http://schemas.microsoft.com/office/drawing/2014/main" id="{7233B1DE-3C5A-4852-AB85-6E825D5CBB4F}"/>
+                <a16:creationId xmlns:a16="http://schemas.microsoft.com/office/drawing/2014/main" xmlns="" id="{7233B1DE-3C5A-4852-AB85-6E825D5CBB4F}"/>
               </a:ext>
             </a:extLst>
           </p:cNvPr>
@@ -3309,7 +3339,7 @@
           <p:cNvPr id="19" name="TextBox 18">
             <a:extLst>
               <a:ext uri="{FF2B5EF4-FFF2-40B4-BE49-F238E27FC236}">
-                <a16:creationId xmlns:a16="http://schemas.microsoft.com/office/drawing/2014/main" id="{958FF87F-EF9D-41BA-97C5-57AFDC5AA58C}"/>
+                <a16:creationId xmlns:a16="http://schemas.microsoft.com/office/drawing/2014/main" xmlns="" id="{958FF87F-EF9D-41BA-97C5-57AFDC5AA58C}"/>
               </a:ext>
             </a:extLst>
           </p:cNvPr>
@@ -3339,75 +3369,12 @@
           </a:p>
         </p:txBody>
       </p:sp>
-      <p:graphicFrame>
-        <p:nvGraphicFramePr>
-          <p:cNvPr id="8" name="Object 7">
-            <a:extLst>
-              <a:ext uri="{FF2B5EF4-FFF2-40B4-BE49-F238E27FC236}">
-                <a16:creationId xmlns:a16="http://schemas.microsoft.com/office/drawing/2014/main" id="{9D34A739-AA12-4FF6-AE1E-E47D32B1A6A6}"/>
-              </a:ext>
-            </a:extLst>
-          </p:cNvPr>
-          <p:cNvGraphicFramePr>
-            <a:graphicFrameLocks noChangeAspect="1"/>
-          </p:cNvGraphicFramePr>
-          <p:nvPr>
-            <p:extLst>
-              <p:ext uri="{D42A27DB-BD31-4B8C-83A1-F6EECF244321}">
-                <p14:modId xmlns:p14="http://schemas.microsoft.com/office/powerpoint/2010/main" val="432485702"/>
-              </p:ext>
-            </p:extLst>
-          </p:nvPr>
-        </p:nvGraphicFramePr>
-        <p:xfrm>
-          <a:off x="1" y="3691117"/>
-          <a:ext cx="6858000" cy="5147219"/>
-        </p:xfrm>
-        <a:graphic>
-          <a:graphicData uri="http://schemas.openxmlformats.org/presentationml/2006/ole">
-            <mc:AlternateContent xmlns:mc="http://schemas.openxmlformats.org/markup-compatibility/2006">
-              <mc:Choice xmlns:v="urn:schemas-microsoft-com:vml" Requires="v">
-                <p:oleObj spid="_x0000_s1034" name="Acrobat Document" r:id="rId3" imgW="4390916" imgH="3295437" progId="AcroExch.Document.DC">
-                  <p:embed/>
-                </p:oleObj>
-              </mc:Choice>
-              <mc:Fallback>
-                <p:oleObj name="Acrobat Document" r:id="rId3" imgW="4390916" imgH="3295437" progId="AcroExch.Document.DC">
-                  <p:embed/>
-                  <p:pic>
-                    <p:nvPicPr>
-                      <p:cNvPr id="0" name=""/>
-                      <p:cNvPicPr/>
-                      <p:nvPr/>
-                    </p:nvPicPr>
-                    <p:blipFill>
-                      <a:blip r:embed="rId4"/>
-                      <a:stretch>
-                        <a:fillRect/>
-                      </a:stretch>
-                    </p:blipFill>
-                    <p:spPr>
-                      <a:xfrm>
-                        <a:off x="1" y="3691117"/>
-                        <a:ext cx="6858000" cy="5147219"/>
-                      </a:xfrm>
-                      <a:prstGeom prst="rect">
-                        <a:avLst/>
-                      </a:prstGeom>
-                    </p:spPr>
-                  </p:pic>
-                </p:oleObj>
-              </mc:Fallback>
-            </mc:AlternateContent>
-          </a:graphicData>
-        </a:graphic>
-      </p:graphicFrame>
       <p:pic>
         <p:nvPicPr>
           <p:cNvPr id="27" name="Image7">
             <a:extLst>
               <a:ext uri="{FF2B5EF4-FFF2-40B4-BE49-F238E27FC236}">
-                <a16:creationId xmlns:a16="http://schemas.microsoft.com/office/drawing/2014/main" id="{1C2F4D1F-44C5-461D-9B3D-A966F2D8F3ED}"/>
+                <a16:creationId xmlns:a16="http://schemas.microsoft.com/office/drawing/2014/main" xmlns="" id="{1C2F4D1F-44C5-461D-9B3D-A966F2D8F3ED}"/>
               </a:ext>
             </a:extLst>
           </p:cNvPr>
@@ -3415,14 +3382,14 @@
           <p:nvPr/>
         </p:nvPicPr>
         <p:blipFill>
-          <a:blip r:embed="rId5"/>
+          <a:blip r:embed="rId3"/>
           <a:stretch>
             <a:fillRect/>
           </a:stretch>
         </p:blipFill>
         <p:spPr bwMode="auto">
           <a:xfrm>
-            <a:off x="2725977" y="2495989"/>
+            <a:off x="2725977" y="2349939"/>
             <a:ext cx="1748104" cy="770722"/>
           </a:xfrm>
           <a:prstGeom prst="rect">
@@ -3435,7 +3402,7 @@
           <p:cNvPr id="28" name="Image8">
             <a:extLst>
               <a:ext uri="{FF2B5EF4-FFF2-40B4-BE49-F238E27FC236}">
-                <a16:creationId xmlns:a16="http://schemas.microsoft.com/office/drawing/2014/main" id="{F2EE1546-3180-4A9D-9C98-048B7ADCC5D6}"/>
+                <a16:creationId xmlns:a16="http://schemas.microsoft.com/office/drawing/2014/main" xmlns="" id="{F2EE1546-3180-4A9D-9C98-048B7ADCC5D6}"/>
               </a:ext>
             </a:extLst>
           </p:cNvPr>
@@ -3443,14 +3410,14 @@
           <p:nvPr/>
         </p:nvPicPr>
         <p:blipFill>
-          <a:blip r:embed="rId6"/>
+          <a:blip r:embed="rId4"/>
           <a:stretch>
             <a:fillRect/>
           </a:stretch>
         </p:blipFill>
         <p:spPr bwMode="auto">
           <a:xfrm>
-            <a:off x="2717873" y="3098858"/>
+            <a:off x="2717873" y="2952808"/>
             <a:ext cx="1764313" cy="778033"/>
           </a:xfrm>
           <a:prstGeom prst="rect">
@@ -3458,6 +3425,51 @@
           </a:prstGeom>
         </p:spPr>
       </p:pic>
+      <p:sp>
+        <p:nvSpPr>
+          <p:cNvPr id="3" name="Rectangle 2"/>
+          <p:cNvSpPr/>
+          <p:nvPr/>
+        </p:nvSpPr>
+        <p:spPr>
+          <a:xfrm>
+            <a:off x="5905500" y="4248150"/>
+            <a:ext cx="279400" cy="266700"/>
+          </a:xfrm>
+          <a:prstGeom prst="rect">
+            <a:avLst/>
+          </a:prstGeom>
+          <a:solidFill>
+            <a:schemeClr val="bg1"/>
+          </a:solidFill>
+          <a:ln>
+            <a:noFill/>
+          </a:ln>
+          <a:effectLst/>
+        </p:spPr>
+        <p:style>
+          <a:lnRef idx="1">
+            <a:schemeClr val="accent1"/>
+          </a:lnRef>
+          <a:fillRef idx="3">
+            <a:schemeClr val="accent1"/>
+          </a:fillRef>
+          <a:effectRef idx="2">
+            <a:schemeClr val="accent1"/>
+          </a:effectRef>
+          <a:fontRef idx="minor">
+            <a:schemeClr val="lt1"/>
+          </a:fontRef>
+        </p:style>
+        <p:txBody>
+          <a:bodyPr rtlCol="0" anchor="ctr"/>
+          <a:lstStyle/>
+          <a:p>
+            <a:pPr algn="ctr"/>
+            <a:endParaRPr lang="en-US"/>
+          </a:p>
+        </p:txBody>
+      </p:sp>
     </p:spTree>
     <p:extLst>
       <p:ext uri="{BB962C8B-B14F-4D97-AF65-F5344CB8AC3E}">

--- a/docs/motif_similarity_exploration/Neo Lactosamine_vs_LacDiNAc.pptx
+++ b/docs/motif_similarity_exploration/Neo Lactosamine_vs_LacDiNAc.pptx
@@ -106,7 +106,7 @@
   </p:defaultTextStyle>
   <p:extLst>
     <p:ext uri="{EFAFB233-063F-42B5-8137-9DF3F51BA10A}">
-      <p15:sldGuideLst xmlns:p15="http://schemas.microsoft.com/office/powerpoint/2012/main" xmlns="">
+      <p15:sldGuideLst xmlns="" xmlns:p15="http://schemas.microsoft.com/office/powerpoint/2012/main">
         <p15:guide id="1" orient="horz" pos="2880">
           <p15:clr>
             <a:srgbClr val="A4A3A4"/>
@@ -302,7 +302,7 @@
           <a:p>
             <a:fld id="{51FB45B9-A736-784F-884A-6BE3E4DF68E6}" type="datetimeFigureOut">
               <a:rPr lang="en-US" smtClean="0"/>
-              <a:t>31/08/18</a:t>
+              <a:t>02/09/18</a:t>
             </a:fld>
             <a:endParaRPr lang="en-US"/>
           </a:p>
@@ -470,7 +470,7 @@
           <a:p>
             <a:fld id="{51FB45B9-A736-784F-884A-6BE3E4DF68E6}" type="datetimeFigureOut">
               <a:rPr lang="en-US" smtClean="0"/>
-              <a:t>31/08/18</a:t>
+              <a:t>02/09/18</a:t>
             </a:fld>
             <a:endParaRPr lang="en-US"/>
           </a:p>
@@ -648,7 +648,7 @@
           <a:p>
             <a:fld id="{51FB45B9-A736-784F-884A-6BE3E4DF68E6}" type="datetimeFigureOut">
               <a:rPr lang="en-US" smtClean="0"/>
-              <a:t>31/08/18</a:t>
+              <a:t>02/09/18</a:t>
             </a:fld>
             <a:endParaRPr lang="en-US"/>
           </a:p>
@@ -816,7 +816,7 @@
           <a:p>
             <a:fld id="{51FB45B9-A736-784F-884A-6BE3E4DF68E6}" type="datetimeFigureOut">
               <a:rPr lang="en-US" smtClean="0"/>
-              <a:t>31/08/18</a:t>
+              <a:t>02/09/18</a:t>
             </a:fld>
             <a:endParaRPr lang="en-US"/>
           </a:p>
@@ -1061,7 +1061,7 @@
           <a:p>
             <a:fld id="{51FB45B9-A736-784F-884A-6BE3E4DF68E6}" type="datetimeFigureOut">
               <a:rPr lang="en-US" smtClean="0"/>
-              <a:t>31/08/18</a:t>
+              <a:t>02/09/18</a:t>
             </a:fld>
             <a:endParaRPr lang="en-US"/>
           </a:p>
@@ -1346,7 +1346,7 @@
           <a:p>
             <a:fld id="{51FB45B9-A736-784F-884A-6BE3E4DF68E6}" type="datetimeFigureOut">
               <a:rPr lang="en-US" smtClean="0"/>
-              <a:t>31/08/18</a:t>
+              <a:t>02/09/18</a:t>
             </a:fld>
             <a:endParaRPr lang="en-US"/>
           </a:p>
@@ -1770,7 +1770,7 @@
           <a:p>
             <a:fld id="{51FB45B9-A736-784F-884A-6BE3E4DF68E6}" type="datetimeFigureOut">
               <a:rPr lang="en-US" smtClean="0"/>
-              <a:t>31/08/18</a:t>
+              <a:t>02/09/18</a:t>
             </a:fld>
             <a:endParaRPr lang="en-US"/>
           </a:p>
@@ -1887,7 +1887,7 @@
           <a:p>
             <a:fld id="{51FB45B9-A736-784F-884A-6BE3E4DF68E6}" type="datetimeFigureOut">
               <a:rPr lang="en-US" smtClean="0"/>
-              <a:t>31/08/18</a:t>
+              <a:t>02/09/18</a:t>
             </a:fld>
             <a:endParaRPr lang="en-US"/>
           </a:p>
@@ -1982,7 +1982,7 @@
           <a:p>
             <a:fld id="{51FB45B9-A736-784F-884A-6BE3E4DF68E6}" type="datetimeFigureOut">
               <a:rPr lang="en-US" smtClean="0"/>
-              <a:t>31/08/18</a:t>
+              <a:t>02/09/18</a:t>
             </a:fld>
             <a:endParaRPr lang="en-US"/>
           </a:p>
@@ -2257,7 +2257,7 @@
           <a:p>
             <a:fld id="{51FB45B9-A736-784F-884A-6BE3E4DF68E6}" type="datetimeFigureOut">
               <a:rPr lang="en-US" smtClean="0"/>
-              <a:t>31/08/18</a:t>
+              <a:t>02/09/18</a:t>
             </a:fld>
             <a:endParaRPr lang="en-US"/>
           </a:p>
@@ -2509,7 +2509,7 @@
           <a:p>
             <a:fld id="{51FB45B9-A736-784F-884A-6BE3E4DF68E6}" type="datetimeFigureOut">
               <a:rPr lang="en-US" smtClean="0"/>
-              <a:t>31/08/18</a:t>
+              <a:t>02/09/18</a:t>
             </a:fld>
             <a:endParaRPr lang="en-US"/>
           </a:p>
@@ -2720,7 +2720,7 @@
           <a:p>
             <a:fld id="{51FB45B9-A736-784F-884A-6BE3E4DF68E6}" type="datetimeFigureOut">
               <a:rPr lang="en-US" smtClean="0"/>
-              <a:t>31/08/18</a:t>
+              <a:t>02/09/18</a:t>
             </a:fld>
             <a:endParaRPr lang="en-US"/>
           </a:p>
@@ -3140,7 +3140,7 @@
             <a:avLst/>
           </a:prstGeom>
           <a:solidFill>
-            <a:srgbClr val="5254A3"/>
+            <a:srgbClr val="8A89D6"/>
           </a:solidFill>
           <a:ln>
             <a:solidFill>
@@ -3186,7 +3186,7 @@
             <a:avLst/>
           </a:prstGeom>
           <a:solidFill>
-            <a:srgbClr val="CEDB9C"/>
+            <a:srgbClr val="AF8E2B"/>
           </a:solidFill>
           <a:ln>
             <a:noFill/>
@@ -3287,7 +3287,7 @@
           <p:cNvPr id="14" name="Oval 13">
             <a:extLst>
               <a:ext uri="{FF2B5EF4-FFF2-40B4-BE49-F238E27FC236}">
-                <a16:creationId xmlns:a16="http://schemas.microsoft.com/office/drawing/2014/main" xmlns="" id="{7233B1DE-3C5A-4852-AB85-6E825D5CBB4F}"/>
+                <a16:creationId xmlns="" xmlns:a16="http://schemas.microsoft.com/office/drawing/2014/main" id="{7233B1DE-3C5A-4852-AB85-6E825D5CBB4F}"/>
               </a:ext>
             </a:extLst>
           </p:cNvPr>
@@ -3339,7 +3339,7 @@
           <p:cNvPr id="19" name="TextBox 18">
             <a:extLst>
               <a:ext uri="{FF2B5EF4-FFF2-40B4-BE49-F238E27FC236}">
-                <a16:creationId xmlns:a16="http://schemas.microsoft.com/office/drawing/2014/main" xmlns="" id="{958FF87F-EF9D-41BA-97C5-57AFDC5AA58C}"/>
+                <a16:creationId xmlns="" xmlns:a16="http://schemas.microsoft.com/office/drawing/2014/main" id="{958FF87F-EF9D-41BA-97C5-57AFDC5AA58C}"/>
               </a:ext>
             </a:extLst>
           </p:cNvPr>
@@ -3374,7 +3374,7 @@
           <p:cNvPr id="27" name="Image7">
             <a:extLst>
               <a:ext uri="{FF2B5EF4-FFF2-40B4-BE49-F238E27FC236}">
-                <a16:creationId xmlns:a16="http://schemas.microsoft.com/office/drawing/2014/main" xmlns="" id="{1C2F4D1F-44C5-461D-9B3D-A966F2D8F3ED}"/>
+                <a16:creationId xmlns="" xmlns:a16="http://schemas.microsoft.com/office/drawing/2014/main" id="{1C2F4D1F-44C5-461D-9B3D-A966F2D8F3ED}"/>
               </a:ext>
             </a:extLst>
           </p:cNvPr>
@@ -3402,7 +3402,7 @@
           <p:cNvPr id="28" name="Image8">
             <a:extLst>
               <a:ext uri="{FF2B5EF4-FFF2-40B4-BE49-F238E27FC236}">
-                <a16:creationId xmlns:a16="http://schemas.microsoft.com/office/drawing/2014/main" xmlns="" id="{F2EE1546-3180-4A9D-9C98-048B7ADCC5D6}"/>
+                <a16:creationId xmlns="" xmlns:a16="http://schemas.microsoft.com/office/drawing/2014/main" id="{F2EE1546-3180-4A9D-9C98-048B7ADCC5D6}"/>
               </a:ext>
             </a:extLst>
           </p:cNvPr>
